--- a/Secure_Auth_Using_Blockchain.pptx
+++ b/Secure_Auth_Using_Blockchain.pptx
@@ -208,7 +208,7 @@
           <a:p>
             <a:fld id="{97C49E5C-AB70-4CC7-AD71-346E21FB5F70}" type="datetimeFigureOut">
               <a:rPr lang="en-US" smtClean="0"/>
-              <a:t>5/10/2018</a:t>
+              <a:t>5/12/2018</a:t>
             </a:fld>
             <a:endParaRPr lang="en-US"/>
           </a:p>
@@ -604,7 +604,7 @@
           <a:p>
             <a:fld id="{0C9F583A-D2A2-4576-98AF-780708C6376A}" type="datetimeFigureOut">
               <a:rPr lang="en-US" smtClean="0"/>
-              <a:t>5/10/2018</a:t>
+              <a:t>5/12/2018</a:t>
             </a:fld>
             <a:endParaRPr lang="en-US"/>
           </a:p>
@@ -772,7 +772,7 @@
           <a:p>
             <a:fld id="{0C9F583A-D2A2-4576-98AF-780708C6376A}" type="datetimeFigureOut">
               <a:rPr lang="en-US" smtClean="0"/>
-              <a:t>5/10/2018</a:t>
+              <a:t>5/12/2018</a:t>
             </a:fld>
             <a:endParaRPr lang="en-US"/>
           </a:p>
@@ -950,7 +950,7 @@
           <a:p>
             <a:fld id="{0C9F583A-D2A2-4576-98AF-780708C6376A}" type="datetimeFigureOut">
               <a:rPr lang="en-US" smtClean="0"/>
-              <a:t>5/10/2018</a:t>
+              <a:t>5/12/2018</a:t>
             </a:fld>
             <a:endParaRPr lang="en-US"/>
           </a:p>
@@ -3740,7 +3740,7 @@
           <a:p>
             <a:fld id="{0C9F583A-D2A2-4576-98AF-780708C6376A}" type="datetimeFigureOut">
               <a:rPr lang="en-US" smtClean="0"/>
-              <a:t>5/10/2018</a:t>
+              <a:t>5/12/2018</a:t>
             </a:fld>
             <a:endParaRPr lang="en-US"/>
           </a:p>
@@ -6204,7 +6204,7 @@
           <a:p>
             <a:fld id="{0C9F583A-D2A2-4576-98AF-780708C6376A}" type="datetimeFigureOut">
               <a:rPr lang="en-US" smtClean="0"/>
-              <a:t>5/10/2018</a:t>
+              <a:t>5/12/2018</a:t>
             </a:fld>
             <a:endParaRPr lang="en-US"/>
           </a:p>
@@ -7573,7 +7573,7 @@
           <a:p>
             <a:fld id="{0C9F583A-D2A2-4576-98AF-780708C6376A}" type="datetimeFigureOut">
               <a:rPr lang="en-US" smtClean="0"/>
-              <a:t>5/10/2018</a:t>
+              <a:t>5/12/2018</a:t>
             </a:fld>
             <a:endParaRPr lang="en-US"/>
           </a:p>
@@ -7937,7 +7937,7 @@
           <a:p>
             <a:fld id="{0C9F583A-D2A2-4576-98AF-780708C6376A}" type="datetimeFigureOut">
               <a:rPr lang="en-US" smtClean="0"/>
-              <a:t>5/10/2018</a:t>
+              <a:t>5/12/2018</a:t>
             </a:fld>
             <a:endParaRPr lang="en-US"/>
           </a:p>
@@ -8054,7 +8054,7 @@
           <a:p>
             <a:fld id="{0C9F583A-D2A2-4576-98AF-780708C6376A}" type="datetimeFigureOut">
               <a:rPr lang="en-US" smtClean="0"/>
-              <a:t>5/10/2018</a:t>
+              <a:t>5/12/2018</a:t>
             </a:fld>
             <a:endParaRPr lang="en-US"/>
           </a:p>
@@ -8149,7 +8149,7 @@
           <a:p>
             <a:fld id="{0C9F583A-D2A2-4576-98AF-780708C6376A}" type="datetimeFigureOut">
               <a:rPr lang="en-US" smtClean="0"/>
-              <a:t>5/10/2018</a:t>
+              <a:t>5/12/2018</a:t>
             </a:fld>
             <a:endParaRPr lang="en-US"/>
           </a:p>
@@ -8424,7 +8424,7 @@
           <a:p>
             <a:fld id="{0C9F583A-D2A2-4576-98AF-780708C6376A}" type="datetimeFigureOut">
               <a:rPr lang="en-US" smtClean="0"/>
-              <a:t>5/10/2018</a:t>
+              <a:t>5/12/2018</a:t>
             </a:fld>
             <a:endParaRPr lang="en-US"/>
           </a:p>
@@ -8676,7 +8676,7 @@
           <a:p>
             <a:fld id="{0C9F583A-D2A2-4576-98AF-780708C6376A}" type="datetimeFigureOut">
               <a:rPr lang="en-US" smtClean="0"/>
-              <a:t>5/10/2018</a:t>
+              <a:t>5/12/2018</a:t>
             </a:fld>
             <a:endParaRPr lang="en-US"/>
           </a:p>
@@ -8887,7 +8887,7 @@
           <a:p>
             <a:fld id="{0C9F583A-D2A2-4576-98AF-780708C6376A}" type="datetimeFigureOut">
               <a:rPr lang="en-US" smtClean="0"/>
-              <a:t>5/10/2018</a:t>
+              <a:t>5/12/2018</a:t>
             </a:fld>
             <a:endParaRPr lang="en-US"/>
           </a:p>
@@ -10188,8 +10188,13 @@
           <a:p>
             <a:r>
               <a:rPr lang="en-US" dirty="0"/>
-              <a:t>Secure Authentication Using Blockchain</a:t>
-            </a:r>
+              <a:t>Secure Authentication Using </a:t>
+            </a:r>
+            <a:r>
+              <a:rPr lang="en-US"/>
+              <a:t>Blockchain Tech</a:t>
+            </a:r>
+            <a:endParaRPr lang="en-US" dirty="0"/>
           </a:p>
         </p:txBody>
       </p:sp>
